--- a/slides/MonoDroidWCG.pptx
+++ b/slides/MonoDroidWCG.pptx
@@ -5,11 +5,21 @@
     <p:sldMasterId id="2147483648" r:id="rId1"/>
   </p:sldMasterIdLst>
   <p:notesMasterIdLst>
-    <p:notesMasterId r:id="rId4"/>
+    <p:notesMasterId r:id="rId14"/>
   </p:notesMasterIdLst>
   <p:sldIdLst>
     <p:sldId id="256" r:id="rId2"/>
     <p:sldId id="257" r:id="rId3"/>
+    <p:sldId id="258" r:id="rId4"/>
+    <p:sldId id="259" r:id="rId5"/>
+    <p:sldId id="260" r:id="rId6"/>
+    <p:sldId id="261" r:id="rId7"/>
+    <p:sldId id="262" r:id="rId8"/>
+    <p:sldId id="263" r:id="rId9"/>
+    <p:sldId id="264" r:id="rId10"/>
+    <p:sldId id="265" r:id="rId11"/>
+    <p:sldId id="266" r:id="rId12"/>
+    <p:sldId id="268" r:id="rId13"/>
   </p:sldIdLst>
   <p:sldSz cx="9144000" cy="6858000" type="screen4x3"/>
   <p:notesSz cx="6858000" cy="9144000"/>
@@ -194,7 +204,7 @@
             <a:fld id="{FF272036-ED41-964C-9630-28ABECB3857D}" type="datetimeFigureOut">
               <a:rPr lang="en-US" smtClean="0"/>
               <a:pPr/>
-              <a:t>3/30/11</a:t>
+              <a:t>4/3/11</a:t>
             </a:fld>
             <a:endParaRPr lang="en-US" dirty="0"/>
           </a:p>
@@ -645,7 +655,7 @@
             <a:fld id="{1EE94434-EB52-A94F-874D-2CA2312D11DF}" type="datetimeFigureOut">
               <a:rPr lang="en-US" smtClean="0"/>
               <a:pPr/>
-              <a:t>3/30/11</a:t>
+              <a:t>4/3/11</a:t>
             </a:fld>
             <a:endParaRPr lang="en-US" dirty="0"/>
           </a:p>
@@ -817,7 +827,7 @@
             <a:fld id="{1EE94434-EB52-A94F-874D-2CA2312D11DF}" type="datetimeFigureOut">
               <a:rPr lang="en-US" smtClean="0"/>
               <a:pPr/>
-              <a:t>3/30/11</a:t>
+              <a:t>4/3/11</a:t>
             </a:fld>
             <a:endParaRPr lang="en-US" dirty="0"/>
           </a:p>
@@ -999,7 +1009,7 @@
             <a:fld id="{1EE94434-EB52-A94F-874D-2CA2312D11DF}" type="datetimeFigureOut">
               <a:rPr lang="en-US" smtClean="0"/>
               <a:pPr/>
-              <a:t>3/30/11</a:t>
+              <a:t>4/3/11</a:t>
             </a:fld>
             <a:endParaRPr lang="en-US" dirty="0"/>
           </a:p>
@@ -1171,7 +1181,7 @@
             <a:fld id="{1EE94434-EB52-A94F-874D-2CA2312D11DF}" type="datetimeFigureOut">
               <a:rPr lang="en-US" smtClean="0"/>
               <a:pPr/>
-              <a:t>3/30/11</a:t>
+              <a:t>4/3/11</a:t>
             </a:fld>
             <a:endParaRPr lang="en-US" dirty="0"/>
           </a:p>
@@ -1419,7 +1429,7 @@
             <a:fld id="{1EE94434-EB52-A94F-874D-2CA2312D11DF}" type="datetimeFigureOut">
               <a:rPr lang="en-US" smtClean="0"/>
               <a:pPr/>
-              <a:t>3/30/11</a:t>
+              <a:t>4/3/11</a:t>
             </a:fld>
             <a:endParaRPr lang="en-US" dirty="0"/>
           </a:p>
@@ -1709,7 +1719,7 @@
             <a:fld id="{1EE94434-EB52-A94F-874D-2CA2312D11DF}" type="datetimeFigureOut">
               <a:rPr lang="en-US" smtClean="0"/>
               <a:pPr/>
-              <a:t>3/30/11</a:t>
+              <a:t>4/3/11</a:t>
             </a:fld>
             <a:endParaRPr lang="en-US" dirty="0"/>
           </a:p>
@@ -2133,7 +2143,7 @@
             <a:fld id="{1EE94434-EB52-A94F-874D-2CA2312D11DF}" type="datetimeFigureOut">
               <a:rPr lang="en-US" smtClean="0"/>
               <a:pPr/>
-              <a:t>3/30/11</a:t>
+              <a:t>4/3/11</a:t>
             </a:fld>
             <a:endParaRPr lang="en-US" dirty="0"/>
           </a:p>
@@ -2253,7 +2263,7 @@
             <a:fld id="{1EE94434-EB52-A94F-874D-2CA2312D11DF}" type="datetimeFigureOut">
               <a:rPr lang="en-US" smtClean="0"/>
               <a:pPr/>
-              <a:t>3/30/11</a:t>
+              <a:t>4/3/11</a:t>
             </a:fld>
             <a:endParaRPr lang="en-US" dirty="0"/>
           </a:p>
@@ -2350,7 +2360,7 @@
             <a:fld id="{1EE94434-EB52-A94F-874D-2CA2312D11DF}" type="datetimeFigureOut">
               <a:rPr lang="en-US" smtClean="0"/>
               <a:pPr/>
-              <a:t>3/30/11</a:t>
+              <a:t>4/3/11</a:t>
             </a:fld>
             <a:endParaRPr lang="en-US" dirty="0"/>
           </a:p>
@@ -2629,7 +2639,7 @@
             <a:fld id="{1EE94434-EB52-A94F-874D-2CA2312D11DF}" type="datetimeFigureOut">
               <a:rPr lang="en-US" smtClean="0"/>
               <a:pPr/>
-              <a:t>3/30/11</a:t>
+              <a:t>4/3/11</a:t>
             </a:fld>
             <a:endParaRPr lang="en-US" dirty="0"/>
           </a:p>
@@ -2884,7 +2894,7 @@
             <a:fld id="{1EE94434-EB52-A94F-874D-2CA2312D11DF}" type="datetimeFigureOut">
               <a:rPr lang="en-US" smtClean="0"/>
               <a:pPr/>
-              <a:t>3/30/11</a:t>
+              <a:t>4/3/11</a:t>
             </a:fld>
             <a:endParaRPr lang="en-US" dirty="0"/>
           </a:p>
@@ -3106,7 +3116,7 @@
             <a:fld id="{1EE94434-EB52-A94F-874D-2CA2312D11DF}" type="datetimeFigureOut">
               <a:rPr lang="en-US" smtClean="0"/>
               <a:pPr/>
-              <a:t>3/30/11</a:t>
+              <a:t>4/3/11</a:t>
             </a:fld>
             <a:endParaRPr lang="en-US" dirty="0"/>
           </a:p>
@@ -3573,6 +3583,488 @@
 </p:sld>
 </file>
 
+<file path=ppt/slides/slide10.xml><?xml version="1.0" encoding="utf-8"?>
+<p:sld xmlns:a="http://schemas.openxmlformats.org/drawingml/2006/main" xmlns:r="http://schemas.openxmlformats.org/officeDocument/2006/relationships" xmlns:p="http://schemas.openxmlformats.org/presentationml/2006/main">
+  <p:cSld>
+    <p:spTree>
+      <p:nvGrpSpPr>
+        <p:cNvPr id="1" name=""/>
+        <p:cNvGrpSpPr/>
+        <p:nvPr/>
+      </p:nvGrpSpPr>
+      <p:grpSpPr>
+        <a:xfrm>
+          <a:off x="0" y="0"/>
+          <a:ext cx="0" cy="0"/>
+          <a:chOff x="0" y="0"/>
+          <a:chExt cx="0" cy="0"/>
+        </a:xfrm>
+      </p:grpSpPr>
+      <p:sp>
+        <p:nvSpPr>
+          <p:cNvPr id="2" name="Title 1"/>
+          <p:cNvSpPr>
+            <a:spLocks noGrp="1"/>
+          </p:cNvSpPr>
+          <p:nvPr>
+            <p:ph type="title"/>
+          </p:nvPr>
+        </p:nvSpPr>
+        <p:spPr/>
+        <p:txBody>
+          <a:bodyPr/>
+          <a:lstStyle/>
+          <a:p>
+            <a:r>
+              <a:rPr lang="en-US" dirty="0" smtClean="0"/>
+              <a:t>Examples</a:t>
+            </a:r>
+            <a:endParaRPr lang="en-US" dirty="0"/>
+          </a:p>
+        </p:txBody>
+      </p:sp>
+      <p:sp>
+        <p:nvSpPr>
+          <p:cNvPr id="3" name="Content Placeholder 2"/>
+          <p:cNvSpPr>
+            <a:spLocks noGrp="1"/>
+          </p:cNvSpPr>
+          <p:nvPr>
+            <p:ph idx="1"/>
+          </p:nvPr>
+        </p:nvSpPr>
+        <p:spPr/>
+        <p:txBody>
+          <a:bodyPr/>
+          <a:lstStyle/>
+          <a:p>
+            <a:r>
+              <a:rPr lang="en-US" dirty="0" smtClean="0"/>
+              <a:t>Events</a:t>
+            </a:r>
+          </a:p>
+          <a:p>
+            <a:r>
+              <a:rPr lang="en-US" dirty="0" smtClean="0"/>
+              <a:t>Web service</a:t>
+            </a:r>
+          </a:p>
+          <a:p>
+            <a:r>
+              <a:rPr lang="en-US" dirty="0" err="1" smtClean="0"/>
+              <a:t>Linq</a:t>
+            </a:r>
+            <a:endParaRPr lang="en-US" dirty="0" smtClean="0"/>
+          </a:p>
+          <a:p>
+            <a:r>
+              <a:rPr lang="en-US" dirty="0" smtClean="0"/>
+              <a:t>Shared libs</a:t>
+            </a:r>
+          </a:p>
+          <a:p>
+            <a:r>
+              <a:rPr lang="en-US" dirty="0" err="1" smtClean="0"/>
+              <a:t>MonoDroid.Dialog</a:t>
+            </a:r>
+            <a:endParaRPr lang="en-US" dirty="0"/>
+          </a:p>
+        </p:txBody>
+      </p:sp>
+    </p:spTree>
+    <p:extLst>
+      <p:ext uri="{BB962C8B-B14F-4D97-AF65-F5344CB8AC3E}">
+        <p14:creationId xmlns:p14="http://schemas.microsoft.com/office/powerpoint/2010/main" val="1129376717"/>
+      </p:ext>
+    </p:extLst>
+  </p:cSld>
+  <p:clrMapOvr>
+    <a:masterClrMapping/>
+  </p:clrMapOvr>
+</p:sld>
+</file>
+
+<file path=ppt/slides/slide11.xml><?xml version="1.0" encoding="utf-8"?>
+<p:sld xmlns:a="http://schemas.openxmlformats.org/drawingml/2006/main" xmlns:r="http://schemas.openxmlformats.org/officeDocument/2006/relationships" xmlns:p="http://schemas.openxmlformats.org/presentationml/2006/main">
+  <p:cSld>
+    <p:spTree>
+      <p:nvGrpSpPr>
+        <p:cNvPr id="1" name=""/>
+        <p:cNvGrpSpPr/>
+        <p:nvPr/>
+      </p:nvGrpSpPr>
+      <p:grpSpPr>
+        <a:xfrm>
+          <a:off x="0" y="0"/>
+          <a:ext cx="0" cy="0"/>
+          <a:chOff x="0" y="0"/>
+          <a:chExt cx="0" cy="0"/>
+        </a:xfrm>
+      </p:grpSpPr>
+      <p:sp>
+        <p:nvSpPr>
+          <p:cNvPr id="2" name="Title 1"/>
+          <p:cNvSpPr>
+            <a:spLocks noGrp="1"/>
+          </p:cNvSpPr>
+          <p:nvPr>
+            <p:ph type="title"/>
+          </p:nvPr>
+        </p:nvSpPr>
+        <p:spPr/>
+        <p:txBody>
+          <a:bodyPr/>
+          <a:lstStyle/>
+          <a:p>
+            <a:r>
+              <a:rPr lang="en-US" dirty="0" smtClean="0"/>
+              <a:t>Resources</a:t>
+            </a:r>
+            <a:endParaRPr lang="en-US" dirty="0"/>
+          </a:p>
+        </p:txBody>
+      </p:sp>
+      <p:sp>
+        <p:nvSpPr>
+          <p:cNvPr id="3" name="Content Placeholder 2"/>
+          <p:cNvSpPr>
+            <a:spLocks noGrp="1"/>
+          </p:cNvSpPr>
+          <p:nvPr>
+            <p:ph idx="1"/>
+          </p:nvPr>
+        </p:nvSpPr>
+        <p:spPr/>
+        <p:txBody>
+          <a:bodyPr>
+            <a:normAutofit fontScale="70000" lnSpcReduction="20000"/>
+          </a:bodyPr>
+          <a:lstStyle/>
+          <a:p>
+            <a:pPr>
+              <a:buNone/>
+            </a:pPr>
+            <a:r>
+              <a:rPr lang="en-US" dirty="0">
+                <a:solidFill>
+                  <a:srgbClr val="141717"/>
+                </a:solidFill>
+              </a:rPr>
+              <a:t>Download the Preview!</a:t>
+            </a:r>
+          </a:p>
+          <a:p>
+            <a:r>
+              <a:rPr lang="en-US" dirty="0">
+                <a:solidFill>
+                  <a:srgbClr val="141717"/>
+                </a:solidFill>
+                <a:latin typeface="Lucida Console"/>
+                <a:cs typeface="Lucida Console"/>
+                <a:hlinkClick r:id="rId2"/>
+              </a:rPr>
+              <a:t>http://mono-android.net/Welcome</a:t>
+            </a:r>
+            <a:endParaRPr lang="en-US" dirty="0">
+              <a:solidFill>
+                <a:srgbClr val="141717"/>
+              </a:solidFill>
+              <a:latin typeface="Lucida Console"/>
+              <a:cs typeface="Lucida Console"/>
+            </a:endParaRPr>
+          </a:p>
+          <a:p>
+            <a:pPr>
+              <a:buNone/>
+            </a:pPr>
+            <a:endParaRPr lang="en-US" dirty="0">
+              <a:solidFill>
+                <a:srgbClr val="141717"/>
+              </a:solidFill>
+            </a:endParaRPr>
+          </a:p>
+          <a:p>
+            <a:pPr>
+              <a:buNone/>
+            </a:pPr>
+            <a:r>
+              <a:rPr lang="en-US" dirty="0">
+                <a:solidFill>
+                  <a:srgbClr val="141717"/>
+                </a:solidFill>
+              </a:rPr>
+              <a:t>Links</a:t>
+            </a:r>
+          </a:p>
+          <a:p>
+            <a:r>
+              <a:rPr lang="en-US" dirty="0">
+                <a:solidFill>
+                  <a:srgbClr val="141717"/>
+                </a:solidFill>
+                <a:latin typeface="Lucida Console"/>
+                <a:hlinkClick r:id="rId3"/>
+              </a:rPr>
+              <a:t>http://www.mono-android.net</a:t>
+            </a:r>
+          </a:p>
+          <a:p>
+            <a:r>
+              <a:rPr lang="en-US" dirty="0">
+                <a:solidFill>
+                  <a:srgbClr val="141717"/>
+                </a:solidFill>
+                <a:latin typeface="Lucida Console"/>
+                <a:hlinkClick r:id="rId4"/>
+              </a:rPr>
+              <a:t>http://developer.android.com/</a:t>
+            </a:r>
+            <a:endParaRPr lang="en-US" dirty="0">
+              <a:solidFill>
+                <a:srgbClr val="141717"/>
+              </a:solidFill>
+              <a:latin typeface="Lucida Console"/>
+            </a:endParaRPr>
+          </a:p>
+          <a:p>
+            <a:endParaRPr lang="en-US" dirty="0">
+              <a:solidFill>
+                <a:srgbClr val="141717"/>
+              </a:solidFill>
+            </a:endParaRPr>
+          </a:p>
+          <a:p>
+            <a:pPr>
+              <a:buNone/>
+            </a:pPr>
+            <a:r>
+              <a:rPr lang="en-US" dirty="0">
+                <a:solidFill>
+                  <a:srgbClr val="141717"/>
+                </a:solidFill>
+              </a:rPr>
+              <a:t>IRC Support / Discussion</a:t>
+            </a:r>
+          </a:p>
+          <a:p>
+            <a:r>
+              <a:rPr lang="en-US" dirty="0">
+                <a:solidFill>
+                  <a:srgbClr val="141717"/>
+                </a:solidFill>
+                <a:latin typeface="Lucida Console"/>
+                <a:cs typeface="Lucida Console"/>
+              </a:rPr>
+              <a:t>#</a:t>
+            </a:r>
+            <a:r>
+              <a:rPr lang="en-US" dirty="0" err="1">
+                <a:solidFill>
+                  <a:srgbClr val="141717"/>
+                </a:solidFill>
+                <a:latin typeface="Lucida Console"/>
+                <a:cs typeface="Lucida Console"/>
+              </a:rPr>
+              <a:t>monodroid</a:t>
+            </a:r>
+            <a:r>
+              <a:rPr lang="en-US" dirty="0">
+                <a:solidFill>
+                  <a:srgbClr val="141717"/>
+                </a:solidFill>
+                <a:latin typeface="Lucida Console"/>
+                <a:cs typeface="Lucida Console"/>
+              </a:rPr>
+              <a:t>  on </a:t>
+            </a:r>
+            <a:r>
+              <a:rPr lang="en-US" dirty="0" err="1">
+                <a:solidFill>
+                  <a:srgbClr val="141717"/>
+                </a:solidFill>
+                <a:latin typeface="Lucida Console"/>
+                <a:cs typeface="Lucida Console"/>
+              </a:rPr>
+              <a:t>irc.gnome.org</a:t>
+            </a:r>
+            <a:endParaRPr lang="en-US" dirty="0">
+              <a:solidFill>
+                <a:srgbClr val="141717"/>
+              </a:solidFill>
+              <a:latin typeface="Lucida Console"/>
+              <a:cs typeface="Lucida Console"/>
+            </a:endParaRPr>
+          </a:p>
+          <a:p>
+            <a:endParaRPr lang="en-US" dirty="0">
+              <a:solidFill>
+                <a:srgbClr val="141717"/>
+              </a:solidFill>
+            </a:endParaRPr>
+          </a:p>
+          <a:p>
+            <a:pPr>
+              <a:buNone/>
+            </a:pPr>
+            <a:r>
+              <a:rPr lang="en-US" dirty="0">
+                <a:solidFill>
+                  <a:srgbClr val="141717"/>
+                </a:solidFill>
+              </a:rPr>
+              <a:t>Code</a:t>
+            </a:r>
+          </a:p>
+          <a:p>
+            <a:r>
+              <a:rPr lang="en-US" dirty="0">
+                <a:solidFill>
+                  <a:srgbClr val="141717"/>
+                </a:solidFill>
+                <a:latin typeface="Lucida Console"/>
+                <a:cs typeface="Lucida Console"/>
+                <a:hlinkClick r:id="rId5"/>
+              </a:rPr>
+              <a:t>https://github.com/mono/monodroid-samples</a:t>
+            </a:r>
+            <a:endParaRPr lang="en-US" dirty="0">
+              <a:solidFill>
+                <a:srgbClr val="141717"/>
+              </a:solidFill>
+              <a:latin typeface="Lucida Console"/>
+              <a:cs typeface="Lucida Console"/>
+            </a:endParaRPr>
+          </a:p>
+          <a:p>
+            <a:r>
+              <a:rPr lang="en-US" dirty="0">
+                <a:solidFill>
+                  <a:srgbClr val="141717"/>
+                </a:solidFill>
+                <a:latin typeface="Lucida Console"/>
+                <a:cs typeface="Lucida Console"/>
+                <a:hlinkClick r:id="rId6"/>
+              </a:rPr>
+              <a:t>https://github.com/kevinmcmahon/MonoDroid101</a:t>
+            </a:r>
+            <a:endParaRPr lang="en-US" sz="2800" dirty="0">
+              <a:solidFill>
+                <a:srgbClr val="141717"/>
+              </a:solidFill>
+            </a:endParaRPr>
+          </a:p>
+          <a:p>
+            <a:endParaRPr lang="en-US" dirty="0"/>
+          </a:p>
+        </p:txBody>
+      </p:sp>
+    </p:spTree>
+    <p:extLst>
+      <p:ext uri="{BB962C8B-B14F-4D97-AF65-F5344CB8AC3E}">
+        <p14:creationId xmlns:p14="http://schemas.microsoft.com/office/powerpoint/2010/main" val="506469847"/>
+      </p:ext>
+    </p:extLst>
+  </p:cSld>
+  <p:clrMapOvr>
+    <a:masterClrMapping/>
+  </p:clrMapOvr>
+</p:sld>
+</file>
+
+<file path=ppt/slides/slide12.xml><?xml version="1.0" encoding="utf-8"?>
+<p:sld xmlns:a="http://schemas.openxmlformats.org/drawingml/2006/main" xmlns:r="http://schemas.openxmlformats.org/officeDocument/2006/relationships" xmlns:p="http://schemas.openxmlformats.org/presentationml/2006/main">
+  <p:cSld>
+    <p:spTree>
+      <p:nvGrpSpPr>
+        <p:cNvPr id="1" name=""/>
+        <p:cNvGrpSpPr/>
+        <p:nvPr/>
+      </p:nvGrpSpPr>
+      <p:grpSpPr>
+        <a:xfrm>
+          <a:off x="0" y="0"/>
+          <a:ext cx="0" cy="0"/>
+          <a:chOff x="0" y="0"/>
+          <a:chExt cx="0" cy="0"/>
+        </a:xfrm>
+      </p:grpSpPr>
+      <p:sp>
+        <p:nvSpPr>
+          <p:cNvPr id="2" name="Title 1"/>
+          <p:cNvSpPr>
+            <a:spLocks noGrp="1"/>
+          </p:cNvSpPr>
+          <p:nvPr>
+            <p:ph type="title"/>
+          </p:nvPr>
+        </p:nvSpPr>
+        <p:spPr/>
+        <p:txBody>
+          <a:bodyPr/>
+          <a:lstStyle/>
+          <a:p>
+            <a:r>
+              <a:rPr lang="en-US" smtClean="0"/>
+              <a:t>Recap</a:t>
+            </a:r>
+            <a:endParaRPr lang="en-US" dirty="0"/>
+          </a:p>
+        </p:txBody>
+      </p:sp>
+      <p:sp>
+        <p:nvSpPr>
+          <p:cNvPr id="3" name="Content Placeholder 2"/>
+          <p:cNvSpPr>
+            <a:spLocks noGrp="1"/>
+          </p:cNvSpPr>
+          <p:nvPr>
+            <p:ph idx="1"/>
+          </p:nvPr>
+        </p:nvSpPr>
+        <p:spPr/>
+        <p:txBody>
+          <a:bodyPr/>
+          <a:lstStyle/>
+          <a:p>
+            <a:r>
+              <a:rPr lang="en-US" dirty="0" smtClean="0"/>
+              <a:t>What is Mono for Android</a:t>
+            </a:r>
+          </a:p>
+          <a:p>
+            <a:r>
+              <a:rPr lang="en-US" dirty="0" smtClean="0"/>
+              <a:t>Dispel some myths</a:t>
+            </a:r>
+          </a:p>
+          <a:p>
+            <a:r>
+              <a:rPr lang="en-US" dirty="0" smtClean="0"/>
+              <a:t>Show the benefits Mono provides</a:t>
+            </a:r>
+          </a:p>
+          <a:p>
+            <a:r>
+              <a:rPr lang="en-US" dirty="0" smtClean="0"/>
+              <a:t>Resources</a:t>
+            </a:r>
+            <a:endParaRPr lang="en-US" dirty="0"/>
+          </a:p>
+        </p:txBody>
+      </p:sp>
+    </p:spTree>
+    <p:extLst>
+      <p:ext uri="{BB962C8B-B14F-4D97-AF65-F5344CB8AC3E}">
+        <p14:creationId xmlns:p14="http://schemas.microsoft.com/office/powerpoint/2010/main" val="1027415636"/>
+      </p:ext>
+    </p:extLst>
+  </p:cSld>
+  <p:clrMapOvr>
+    <a:masterClrMapping/>
+  </p:clrMapOvr>
+</p:sld>
+</file>
+
 <file path=ppt/slides/slide2.xml><?xml version="1.0" encoding="utf-8"?>
 <p:sld xmlns:a="http://schemas.openxmlformats.org/drawingml/2006/main" xmlns:r="http://schemas.openxmlformats.org/officeDocument/2006/relationships" xmlns:p="http://schemas.openxmlformats.org/presentationml/2006/main">
   <p:cSld>
@@ -3605,7 +4097,11 @@
           <a:bodyPr/>
           <a:lstStyle/>
           <a:p>
-            <a:endParaRPr lang="en-US"/>
+            <a:r>
+              <a:rPr lang="en-US" dirty="0" smtClean="0"/>
+              <a:t>Who am I?</a:t>
+            </a:r>
+            <a:endParaRPr lang="en-US" dirty="0"/>
           </a:p>
         </p:txBody>
       </p:sp>
@@ -3624,7 +4120,43 @@
           <a:bodyPr/>
           <a:lstStyle/>
           <a:p>
-            <a:endParaRPr lang="en-US"/>
+            <a:r>
+              <a:rPr lang="en-US" dirty="0" err="1" smtClean="0"/>
+              <a:t>.Net</a:t>
+            </a:r>
+            <a:r>
+              <a:rPr lang="en-US" dirty="0" smtClean="0"/>
+              <a:t> developer by day</a:t>
+            </a:r>
+          </a:p>
+          <a:p>
+            <a:r>
+              <a:rPr lang="en-US" dirty="0" smtClean="0"/>
+              <a:t>3 </a:t>
+            </a:r>
+            <a:r>
+              <a:rPr lang="en-US" dirty="0" err="1" smtClean="0"/>
+              <a:t>iOS</a:t>
+            </a:r>
+            <a:r>
+              <a:rPr lang="en-US" dirty="0" smtClean="0"/>
+              <a:t> apps in the App Store</a:t>
+            </a:r>
+          </a:p>
+          <a:p>
+            <a:r>
+              <a:rPr lang="en-US" dirty="0" smtClean="0"/>
+              <a:t>Teach mobile development to high </a:t>
+            </a:r>
+            <a:r>
+              <a:rPr lang="en-US" dirty="0" err="1" smtClean="0"/>
+              <a:t>schoolers</a:t>
+            </a:r>
+            <a:r>
+              <a:rPr lang="en-US" dirty="0" smtClean="0"/>
+              <a:t> with 21 Century Youth Project</a:t>
+            </a:r>
+            <a:endParaRPr lang="en-US" dirty="0"/>
           </a:p>
         </p:txBody>
       </p:sp>
@@ -3632,6 +4164,738 @@
     <p:extLst>
       <p:ext uri="{BB962C8B-B14F-4D97-AF65-F5344CB8AC3E}">
         <p14:creationId xmlns:p14="http://schemas.microsoft.com/office/powerpoint/2010/main" val="2795587685"/>
+      </p:ext>
+    </p:extLst>
+  </p:cSld>
+  <p:clrMapOvr>
+    <a:masterClrMapping/>
+  </p:clrMapOvr>
+</p:sld>
+</file>
+
+<file path=ppt/slides/slide3.xml><?xml version="1.0" encoding="utf-8"?>
+<p:sld xmlns:a="http://schemas.openxmlformats.org/drawingml/2006/main" xmlns:r="http://schemas.openxmlformats.org/officeDocument/2006/relationships" xmlns:p="http://schemas.openxmlformats.org/presentationml/2006/main">
+  <p:cSld>
+    <p:spTree>
+      <p:nvGrpSpPr>
+        <p:cNvPr id="1" name=""/>
+        <p:cNvGrpSpPr/>
+        <p:nvPr/>
+      </p:nvGrpSpPr>
+      <p:grpSpPr>
+        <a:xfrm>
+          <a:off x="0" y="0"/>
+          <a:ext cx="0" cy="0"/>
+          <a:chOff x="0" y="0"/>
+          <a:chExt cx="0" cy="0"/>
+        </a:xfrm>
+      </p:grpSpPr>
+      <p:sp>
+        <p:nvSpPr>
+          <p:cNvPr id="2" name="Title 1"/>
+          <p:cNvSpPr>
+            <a:spLocks noGrp="1"/>
+          </p:cNvSpPr>
+          <p:nvPr>
+            <p:ph type="title"/>
+          </p:nvPr>
+        </p:nvSpPr>
+        <p:spPr/>
+        <p:txBody>
+          <a:bodyPr/>
+          <a:lstStyle/>
+          <a:p>
+            <a:r>
+              <a:rPr lang="en-US" dirty="0" smtClean="0"/>
+              <a:t>Overview</a:t>
+            </a:r>
+            <a:endParaRPr lang="en-US" dirty="0"/>
+          </a:p>
+        </p:txBody>
+      </p:sp>
+      <p:sp>
+        <p:nvSpPr>
+          <p:cNvPr id="3" name="Content Placeholder 2"/>
+          <p:cNvSpPr>
+            <a:spLocks noGrp="1"/>
+          </p:cNvSpPr>
+          <p:nvPr>
+            <p:ph idx="1"/>
+          </p:nvPr>
+        </p:nvSpPr>
+        <p:spPr/>
+        <p:txBody>
+          <a:bodyPr/>
+          <a:lstStyle/>
+          <a:p>
+            <a:r>
+              <a:rPr lang="en-US" dirty="0" smtClean="0"/>
+              <a:t>What is Mono for Android</a:t>
+            </a:r>
+          </a:p>
+          <a:p>
+            <a:r>
+              <a:rPr lang="en-US" dirty="0" smtClean="0"/>
+              <a:t>Dispel some myths</a:t>
+            </a:r>
+          </a:p>
+          <a:p>
+            <a:r>
+              <a:rPr lang="en-US" dirty="0" smtClean="0"/>
+              <a:t>Show the benefits Mono provides</a:t>
+            </a:r>
+          </a:p>
+          <a:p>
+            <a:r>
+              <a:rPr lang="en-US" dirty="0" smtClean="0"/>
+              <a:t>Resources</a:t>
+            </a:r>
+            <a:endParaRPr lang="en-US" dirty="0"/>
+          </a:p>
+        </p:txBody>
+      </p:sp>
+    </p:spTree>
+    <p:extLst>
+      <p:ext uri="{BB962C8B-B14F-4D97-AF65-F5344CB8AC3E}">
+        <p14:creationId xmlns:p14="http://schemas.microsoft.com/office/powerpoint/2010/main" val="2901802224"/>
+      </p:ext>
+    </p:extLst>
+  </p:cSld>
+  <p:clrMapOvr>
+    <a:masterClrMapping/>
+  </p:clrMapOvr>
+</p:sld>
+</file>
+
+<file path=ppt/slides/slide4.xml><?xml version="1.0" encoding="utf-8"?>
+<p:sld xmlns:a="http://schemas.openxmlformats.org/drawingml/2006/main" xmlns:r="http://schemas.openxmlformats.org/officeDocument/2006/relationships" xmlns:p="http://schemas.openxmlformats.org/presentationml/2006/main">
+  <p:cSld>
+    <p:spTree>
+      <p:nvGrpSpPr>
+        <p:cNvPr id="1" name=""/>
+        <p:cNvGrpSpPr/>
+        <p:nvPr/>
+      </p:nvGrpSpPr>
+      <p:grpSpPr>
+        <a:xfrm>
+          <a:off x="0" y="0"/>
+          <a:ext cx="0" cy="0"/>
+          <a:chOff x="0" y="0"/>
+          <a:chExt cx="0" cy="0"/>
+        </a:xfrm>
+      </p:grpSpPr>
+      <p:sp>
+        <p:nvSpPr>
+          <p:cNvPr id="2" name="Title 1"/>
+          <p:cNvSpPr>
+            <a:spLocks noGrp="1"/>
+          </p:cNvSpPr>
+          <p:nvPr>
+            <p:ph type="title"/>
+          </p:nvPr>
+        </p:nvSpPr>
+        <p:spPr/>
+        <p:txBody>
+          <a:bodyPr/>
+          <a:lstStyle/>
+          <a:p>
+            <a:r>
+              <a:rPr lang="en-US" dirty="0" smtClean="0"/>
+              <a:t>What is Mono for Android</a:t>
+            </a:r>
+            <a:endParaRPr lang="en-US" dirty="0"/>
+          </a:p>
+        </p:txBody>
+      </p:sp>
+      <p:sp>
+        <p:nvSpPr>
+          <p:cNvPr id="3" name="Content Placeholder 2"/>
+          <p:cNvSpPr>
+            <a:spLocks noGrp="1"/>
+          </p:cNvSpPr>
+          <p:nvPr>
+            <p:ph idx="1"/>
+          </p:nvPr>
+        </p:nvSpPr>
+        <p:spPr/>
+        <p:txBody>
+          <a:bodyPr/>
+          <a:lstStyle/>
+          <a:p>
+            <a:r>
+              <a:rPr lang="en-US" dirty="0" smtClean="0"/>
+              <a:t>Project from Novell</a:t>
+            </a:r>
+          </a:p>
+          <a:p>
+            <a:r>
+              <a:rPr lang="en-US" dirty="0" smtClean="0"/>
+              <a:t>Compiler, SDK, and tools</a:t>
+            </a:r>
+          </a:p>
+          <a:p>
+            <a:r>
+              <a:rPr lang="en-US" dirty="0" smtClean="0"/>
+              <a:t>Works on</a:t>
+            </a:r>
+          </a:p>
+          <a:p>
+            <a:pPr lvl="1"/>
+            <a:r>
+              <a:rPr lang="en-US" dirty="0" smtClean="0"/>
+              <a:t>Windows using Visual Studio</a:t>
+            </a:r>
+          </a:p>
+          <a:p>
+            <a:pPr lvl="1"/>
+            <a:r>
+              <a:rPr lang="en-US" dirty="0" smtClean="0"/>
+              <a:t>Mac using </a:t>
+            </a:r>
+            <a:r>
+              <a:rPr lang="en-US" dirty="0" err="1" smtClean="0"/>
+              <a:t>MonoDevelop</a:t>
+            </a:r>
+            <a:endParaRPr lang="en-US" dirty="0" smtClean="0"/>
+          </a:p>
+          <a:p>
+            <a:r>
+              <a:rPr lang="en-US" dirty="0" smtClean="0"/>
+              <a:t>Mono 2.10 profile</a:t>
+            </a:r>
+            <a:endParaRPr lang="en-US" dirty="0"/>
+          </a:p>
+        </p:txBody>
+      </p:sp>
+    </p:spTree>
+    <p:extLst>
+      <p:ext uri="{BB962C8B-B14F-4D97-AF65-F5344CB8AC3E}">
+        <p14:creationId xmlns:p14="http://schemas.microsoft.com/office/powerpoint/2010/main" val="2304439813"/>
+      </p:ext>
+    </p:extLst>
+  </p:cSld>
+  <p:clrMapOvr>
+    <a:masterClrMapping/>
+  </p:clrMapOvr>
+</p:sld>
+</file>
+
+<file path=ppt/slides/slide5.xml><?xml version="1.0" encoding="utf-8"?>
+<p:sld xmlns:a="http://schemas.openxmlformats.org/drawingml/2006/main" xmlns:r="http://schemas.openxmlformats.org/officeDocument/2006/relationships" xmlns:p="http://schemas.openxmlformats.org/presentationml/2006/main">
+  <p:cSld>
+    <p:spTree>
+      <p:nvGrpSpPr>
+        <p:cNvPr id="1" name=""/>
+        <p:cNvGrpSpPr/>
+        <p:nvPr/>
+      </p:nvGrpSpPr>
+      <p:grpSpPr>
+        <a:xfrm>
+          <a:off x="0" y="0"/>
+          <a:ext cx="0" cy="0"/>
+          <a:chOff x="0" y="0"/>
+          <a:chExt cx="0" cy="0"/>
+        </a:xfrm>
+      </p:grpSpPr>
+      <p:sp>
+        <p:nvSpPr>
+          <p:cNvPr id="2" name="Title 1"/>
+          <p:cNvSpPr>
+            <a:spLocks noGrp="1"/>
+          </p:cNvSpPr>
+          <p:nvPr>
+            <p:ph type="title"/>
+          </p:nvPr>
+        </p:nvSpPr>
+        <p:spPr/>
+        <p:txBody>
+          <a:bodyPr/>
+          <a:lstStyle/>
+          <a:p>
+            <a:r>
+              <a:rPr lang="en-US" dirty="0" smtClean="0"/>
+              <a:t>Myths</a:t>
+            </a:r>
+            <a:endParaRPr lang="en-US" dirty="0"/>
+          </a:p>
+        </p:txBody>
+      </p:sp>
+      <p:sp>
+        <p:nvSpPr>
+          <p:cNvPr id="3" name="Content Placeholder 2"/>
+          <p:cNvSpPr>
+            <a:spLocks noGrp="1"/>
+          </p:cNvSpPr>
+          <p:nvPr>
+            <p:ph idx="1"/>
+          </p:nvPr>
+        </p:nvSpPr>
+        <p:spPr/>
+        <p:txBody>
+          <a:bodyPr/>
+          <a:lstStyle/>
+          <a:p>
+            <a:r>
+              <a:rPr lang="en-US" dirty="0" smtClean="0"/>
+              <a:t>This is for lazy </a:t>
+            </a:r>
+            <a:r>
+              <a:rPr lang="en-US" dirty="0" err="1" smtClean="0"/>
+              <a:t>devs</a:t>
+            </a:r>
+            <a:endParaRPr lang="en-US" dirty="0" smtClean="0"/>
+          </a:p>
+          <a:p>
+            <a:r>
+              <a:rPr lang="en-US" dirty="0" smtClean="0"/>
+              <a:t>Does not provide a native experience</a:t>
+            </a:r>
+          </a:p>
+          <a:p>
+            <a:r>
+              <a:rPr lang="en-US" dirty="0" smtClean="0"/>
+              <a:t>Not fast</a:t>
+            </a:r>
+          </a:p>
+          <a:p>
+            <a:r>
+              <a:rPr lang="en-US" dirty="0" smtClean="0"/>
+              <a:t>Not easy to use</a:t>
+            </a:r>
+          </a:p>
+          <a:p>
+            <a:r>
+              <a:rPr lang="en-US" dirty="0" smtClean="0"/>
+              <a:t>No reason to choose Mono for Android over native</a:t>
+            </a:r>
+            <a:endParaRPr lang="en-US" dirty="0"/>
+          </a:p>
+        </p:txBody>
+      </p:sp>
+    </p:spTree>
+    <p:extLst>
+      <p:ext uri="{BB962C8B-B14F-4D97-AF65-F5344CB8AC3E}">
+        <p14:creationId xmlns:p14="http://schemas.microsoft.com/office/powerpoint/2010/main" val="4265666489"/>
+      </p:ext>
+    </p:extLst>
+  </p:cSld>
+  <p:clrMapOvr>
+    <a:masterClrMapping/>
+  </p:clrMapOvr>
+</p:sld>
+</file>
+
+<file path=ppt/slides/slide6.xml><?xml version="1.0" encoding="utf-8"?>
+<p:sld xmlns:a="http://schemas.openxmlformats.org/drawingml/2006/main" xmlns:r="http://schemas.openxmlformats.org/officeDocument/2006/relationships" xmlns:p="http://schemas.openxmlformats.org/presentationml/2006/main">
+  <p:cSld>
+    <p:spTree>
+      <p:nvGrpSpPr>
+        <p:cNvPr id="1" name=""/>
+        <p:cNvGrpSpPr/>
+        <p:nvPr/>
+      </p:nvGrpSpPr>
+      <p:grpSpPr>
+        <a:xfrm>
+          <a:off x="0" y="0"/>
+          <a:ext cx="0" cy="0"/>
+          <a:chOff x="0" y="0"/>
+          <a:chExt cx="0" cy="0"/>
+        </a:xfrm>
+      </p:grpSpPr>
+      <p:sp>
+        <p:nvSpPr>
+          <p:cNvPr id="2" name="Title 1"/>
+          <p:cNvSpPr>
+            <a:spLocks noGrp="1"/>
+          </p:cNvSpPr>
+          <p:nvPr>
+            <p:ph type="title"/>
+          </p:nvPr>
+        </p:nvSpPr>
+        <p:spPr/>
+        <p:txBody>
+          <a:bodyPr/>
+          <a:lstStyle/>
+          <a:p>
+            <a:r>
+              <a:rPr lang="en-US" dirty="0" smtClean="0"/>
+              <a:t>Costs</a:t>
+            </a:r>
+            <a:endParaRPr lang="en-US" dirty="0"/>
+          </a:p>
+        </p:txBody>
+      </p:sp>
+      <p:sp>
+        <p:nvSpPr>
+          <p:cNvPr id="3" name="Content Placeholder 2"/>
+          <p:cNvSpPr>
+            <a:spLocks noGrp="1"/>
+          </p:cNvSpPr>
+          <p:nvPr>
+            <p:ph idx="1"/>
+          </p:nvPr>
+        </p:nvSpPr>
+        <p:spPr/>
+        <p:txBody>
+          <a:bodyPr/>
+          <a:lstStyle/>
+          <a:p>
+            <a:r>
+              <a:rPr lang="en-US" dirty="0" smtClean="0"/>
+              <a:t>Mono for Android is a commercial product</a:t>
+            </a:r>
+          </a:p>
+          <a:p>
+            <a:r>
+              <a:rPr lang="en-US" dirty="0" smtClean="0"/>
+              <a:t>Licenses</a:t>
+            </a:r>
+          </a:p>
+          <a:p>
+            <a:pPr lvl="1"/>
+            <a:r>
+              <a:rPr lang="en-US" dirty="0" smtClean="0"/>
+              <a:t>$399 single developer</a:t>
+            </a:r>
+          </a:p>
+          <a:p>
+            <a:pPr lvl="1"/>
+            <a:r>
+              <a:rPr lang="en-US" dirty="0" smtClean="0"/>
+              <a:t>$999 enterprise </a:t>
+            </a:r>
+          </a:p>
+          <a:p>
+            <a:pPr lvl="1"/>
+            <a:r>
+              <a:rPr lang="en-US" dirty="0" smtClean="0"/>
+              <a:t>$99 student</a:t>
+            </a:r>
+            <a:endParaRPr lang="en-US" dirty="0"/>
+          </a:p>
+        </p:txBody>
+      </p:sp>
+    </p:spTree>
+    <p:extLst>
+      <p:ext uri="{BB962C8B-B14F-4D97-AF65-F5344CB8AC3E}">
+        <p14:creationId xmlns:p14="http://schemas.microsoft.com/office/powerpoint/2010/main" val="644392036"/>
+      </p:ext>
+    </p:extLst>
+  </p:cSld>
+  <p:clrMapOvr>
+    <a:masterClrMapping/>
+  </p:clrMapOvr>
+</p:sld>
+</file>
+
+<file path=ppt/slides/slide7.xml><?xml version="1.0" encoding="utf-8"?>
+<p:sld xmlns:a="http://schemas.openxmlformats.org/drawingml/2006/main" xmlns:r="http://schemas.openxmlformats.org/officeDocument/2006/relationships" xmlns:p="http://schemas.openxmlformats.org/presentationml/2006/main">
+  <p:cSld>
+    <p:spTree>
+      <p:nvGrpSpPr>
+        <p:cNvPr id="1" name=""/>
+        <p:cNvGrpSpPr/>
+        <p:nvPr/>
+      </p:nvGrpSpPr>
+      <p:grpSpPr>
+        <a:xfrm>
+          <a:off x="0" y="0"/>
+          <a:ext cx="0" cy="0"/>
+          <a:chOff x="0" y="0"/>
+          <a:chExt cx="0" cy="0"/>
+        </a:xfrm>
+      </p:grpSpPr>
+      <p:sp>
+        <p:nvSpPr>
+          <p:cNvPr id="2" name="Title 1"/>
+          <p:cNvSpPr>
+            <a:spLocks noGrp="1"/>
+          </p:cNvSpPr>
+          <p:nvPr>
+            <p:ph type="title"/>
+          </p:nvPr>
+        </p:nvSpPr>
+        <p:spPr/>
+        <p:txBody>
+          <a:bodyPr/>
+          <a:lstStyle/>
+          <a:p>
+            <a:r>
+              <a:rPr lang="en-US" dirty="0" smtClean="0"/>
+              <a:t>Distribution Options</a:t>
+            </a:r>
+            <a:endParaRPr lang="en-US" dirty="0"/>
+          </a:p>
+        </p:txBody>
+      </p:sp>
+      <p:sp>
+        <p:nvSpPr>
+          <p:cNvPr id="3" name="Content Placeholder 2"/>
+          <p:cNvSpPr>
+            <a:spLocks noGrp="1"/>
+          </p:cNvSpPr>
+          <p:nvPr>
+            <p:ph idx="1"/>
+          </p:nvPr>
+        </p:nvSpPr>
+        <p:spPr/>
+        <p:txBody>
+          <a:bodyPr/>
+          <a:lstStyle/>
+          <a:p>
+            <a:r>
+              <a:rPr lang="en-US" dirty="0" smtClean="0"/>
+              <a:t>Ad-Hoc</a:t>
+            </a:r>
+          </a:p>
+          <a:p>
+            <a:r>
+              <a:rPr lang="en-US" dirty="0" smtClean="0"/>
+              <a:t>Android Market Place</a:t>
+            </a:r>
+          </a:p>
+          <a:p>
+            <a:r>
+              <a:rPr lang="en-US" dirty="0" smtClean="0"/>
+              <a:t>Amazon </a:t>
+            </a:r>
+            <a:r>
+              <a:rPr lang="en-US" dirty="0" err="1" smtClean="0"/>
+              <a:t>Appstore</a:t>
+            </a:r>
+            <a:endParaRPr lang="en-US" dirty="0"/>
+          </a:p>
+        </p:txBody>
+      </p:sp>
+    </p:spTree>
+    <p:extLst>
+      <p:ext uri="{BB962C8B-B14F-4D97-AF65-F5344CB8AC3E}">
+        <p14:creationId xmlns:p14="http://schemas.microsoft.com/office/powerpoint/2010/main" val="4131444034"/>
+      </p:ext>
+    </p:extLst>
+  </p:cSld>
+  <p:clrMapOvr>
+    <a:masterClrMapping/>
+  </p:clrMapOvr>
+</p:sld>
+</file>
+
+<file path=ppt/slides/slide8.xml><?xml version="1.0" encoding="utf-8"?>
+<p:sld xmlns:a="http://schemas.openxmlformats.org/drawingml/2006/main" xmlns:r="http://schemas.openxmlformats.org/officeDocument/2006/relationships" xmlns:p="http://schemas.openxmlformats.org/presentationml/2006/main">
+  <p:cSld>
+    <p:spTree>
+      <p:nvGrpSpPr>
+        <p:cNvPr id="1" name=""/>
+        <p:cNvGrpSpPr/>
+        <p:nvPr/>
+      </p:nvGrpSpPr>
+      <p:grpSpPr>
+        <a:xfrm>
+          <a:off x="0" y="0"/>
+          <a:ext cx="0" cy="0"/>
+          <a:chOff x="0" y="0"/>
+          <a:chExt cx="0" cy="0"/>
+        </a:xfrm>
+      </p:grpSpPr>
+      <p:sp>
+        <p:nvSpPr>
+          <p:cNvPr id="2" name="Title 1"/>
+          <p:cNvSpPr>
+            <a:spLocks noGrp="1"/>
+          </p:cNvSpPr>
+          <p:nvPr>
+            <p:ph type="title"/>
+          </p:nvPr>
+        </p:nvSpPr>
+        <p:spPr/>
+        <p:txBody>
+          <a:bodyPr/>
+          <a:lstStyle/>
+          <a:p>
+            <a:r>
+              <a:rPr lang="en-US" dirty="0" smtClean="0"/>
+              <a:t>Mono Ecosystem</a:t>
+            </a:r>
+            <a:endParaRPr lang="en-US" dirty="0"/>
+          </a:p>
+        </p:txBody>
+      </p:sp>
+      <p:sp>
+        <p:nvSpPr>
+          <p:cNvPr id="3" name="Content Placeholder 2"/>
+          <p:cNvSpPr>
+            <a:spLocks noGrp="1"/>
+          </p:cNvSpPr>
+          <p:nvPr>
+            <p:ph idx="1"/>
+          </p:nvPr>
+        </p:nvSpPr>
+        <p:spPr/>
+        <p:txBody>
+          <a:bodyPr/>
+          <a:lstStyle/>
+          <a:p>
+            <a:r>
+              <a:rPr lang="en-US" dirty="0" err="1" smtClean="0"/>
+              <a:t>MonoTouch</a:t>
+            </a:r>
+            <a:endParaRPr lang="en-US" dirty="0" smtClean="0"/>
+          </a:p>
+          <a:p>
+            <a:r>
+              <a:rPr lang="en-US" dirty="0" err="1" smtClean="0"/>
+              <a:t>MonoMac</a:t>
+            </a:r>
+            <a:endParaRPr lang="en-US" dirty="0" smtClean="0"/>
+          </a:p>
+          <a:p>
+            <a:r>
+              <a:rPr lang="en-US" dirty="0" err="1" smtClean="0"/>
+              <a:t>MonoGame</a:t>
+            </a:r>
+            <a:r>
+              <a:rPr lang="en-US" dirty="0" smtClean="0"/>
+              <a:t> (not a Novell project)</a:t>
+            </a:r>
+          </a:p>
+          <a:p>
+            <a:r>
+              <a:rPr lang="en-US" dirty="0" smtClean="0"/>
+              <a:t>Amazing support</a:t>
+            </a:r>
+          </a:p>
+          <a:p>
+            <a:r>
+              <a:rPr lang="en-US" dirty="0"/>
+              <a:t>G</a:t>
+            </a:r>
+            <a:r>
+              <a:rPr lang="en-US" dirty="0" smtClean="0"/>
+              <a:t>reat community</a:t>
+            </a:r>
+            <a:endParaRPr lang="en-US" dirty="0"/>
+          </a:p>
+        </p:txBody>
+      </p:sp>
+    </p:spTree>
+    <p:extLst>
+      <p:ext uri="{BB962C8B-B14F-4D97-AF65-F5344CB8AC3E}">
+        <p14:creationId xmlns:p14="http://schemas.microsoft.com/office/powerpoint/2010/main" val="2116285942"/>
+      </p:ext>
+    </p:extLst>
+  </p:cSld>
+  <p:clrMapOvr>
+    <a:masterClrMapping/>
+  </p:clrMapOvr>
+</p:sld>
+</file>
+
+<file path=ppt/slides/slide9.xml><?xml version="1.0" encoding="utf-8"?>
+<p:sld xmlns:a="http://schemas.openxmlformats.org/drawingml/2006/main" xmlns:r="http://schemas.openxmlformats.org/officeDocument/2006/relationships" xmlns:p="http://schemas.openxmlformats.org/presentationml/2006/main">
+  <p:cSld>
+    <p:spTree>
+      <p:nvGrpSpPr>
+        <p:cNvPr id="1" name=""/>
+        <p:cNvGrpSpPr/>
+        <p:nvPr/>
+      </p:nvGrpSpPr>
+      <p:grpSpPr>
+        <a:xfrm>
+          <a:off x="0" y="0"/>
+          <a:ext cx="0" cy="0"/>
+          <a:chOff x="0" y="0"/>
+          <a:chExt cx="0" cy="0"/>
+        </a:xfrm>
+      </p:grpSpPr>
+      <p:sp>
+        <p:nvSpPr>
+          <p:cNvPr id="2" name="Title 1"/>
+          <p:cNvSpPr>
+            <a:spLocks noGrp="1"/>
+          </p:cNvSpPr>
+          <p:nvPr>
+            <p:ph type="title"/>
+          </p:nvPr>
+        </p:nvSpPr>
+        <p:spPr/>
+        <p:txBody>
+          <a:bodyPr/>
+          <a:lstStyle/>
+          <a:p>
+            <a:r>
+              <a:rPr lang="en-US" dirty="0" smtClean="0"/>
+              <a:t>Benefits</a:t>
+            </a:r>
+            <a:endParaRPr lang="en-US" dirty="0"/>
+          </a:p>
+        </p:txBody>
+      </p:sp>
+      <p:sp>
+        <p:nvSpPr>
+          <p:cNvPr id="3" name="Content Placeholder 2"/>
+          <p:cNvSpPr>
+            <a:spLocks noGrp="1"/>
+          </p:cNvSpPr>
+          <p:nvPr>
+            <p:ph idx="1"/>
+          </p:nvPr>
+        </p:nvSpPr>
+        <p:spPr/>
+        <p:txBody>
+          <a:bodyPr/>
+          <a:lstStyle/>
+          <a:p>
+            <a:r>
+              <a:rPr lang="en-US" dirty="0" smtClean="0"/>
+              <a:t>Cross platform mobile </a:t>
+            </a:r>
+            <a:r>
+              <a:rPr lang="en-US" dirty="0" err="1" smtClean="0"/>
+              <a:t>dev</a:t>
+            </a:r>
+            <a:endParaRPr lang="en-US" dirty="0" smtClean="0"/>
+          </a:p>
+          <a:p>
+            <a:r>
+              <a:rPr lang="en-US" dirty="0" smtClean="0"/>
+              <a:t>C#</a:t>
+            </a:r>
+          </a:p>
+          <a:p>
+            <a:pPr lvl="1"/>
+            <a:r>
+              <a:rPr lang="en-US" dirty="0" err="1" smtClean="0"/>
+              <a:t>Linq</a:t>
+            </a:r>
+            <a:endParaRPr lang="en-US" dirty="0" smtClean="0"/>
+          </a:p>
+          <a:p>
+            <a:pPr lvl="1"/>
+            <a:r>
+              <a:rPr lang="en-US" dirty="0" err="1" smtClean="0"/>
+              <a:t>Lambas</a:t>
+            </a:r>
+            <a:endParaRPr lang="en-US" dirty="0" smtClean="0"/>
+          </a:p>
+          <a:p>
+            <a:pPr lvl="1"/>
+            <a:r>
+              <a:rPr lang="en-US" dirty="0" smtClean="0"/>
+              <a:t>C# 4.0 features</a:t>
+            </a:r>
+          </a:p>
+          <a:p>
+            <a:pPr marL="0" indent="0">
+              <a:buNone/>
+            </a:pPr>
+            <a:endParaRPr lang="en-US" dirty="0"/>
+          </a:p>
+        </p:txBody>
+      </p:sp>
+    </p:spTree>
+    <p:extLst>
+      <p:ext uri="{BB962C8B-B14F-4D97-AF65-F5344CB8AC3E}">
+        <p14:creationId xmlns:p14="http://schemas.microsoft.com/office/powerpoint/2010/main" val="1777025915"/>
       </p:ext>
     </p:extLst>
   </p:cSld>

--- a/slides/MonoDroidWCG.pptx
+++ b/slides/MonoDroidWCG.pptx
@@ -3508,12 +3508,20 @@
           <a:lstStyle/>
           <a:p>
             <a:r>
-              <a:rPr lang="en-US" smtClean="0"/>
-              <a:t>Mobile </a:t>
+              <a:rPr lang="en-US" dirty="0" err="1" smtClean="0"/>
+              <a:t>.Net</a:t>
             </a:r>
             <a:r>
               <a:rPr lang="en-US" dirty="0" smtClean="0"/>
-              <a:t>Programming</a:t>
+              <a:t> on Android? </a:t>
+            </a:r>
+            <a:r>
+              <a:rPr lang="en-US" dirty="0" err="1" smtClean="0"/>
+              <a:t>MonoDroid</a:t>
+            </a:r>
+            <a:r>
+              <a:rPr lang="en-US" dirty="0" smtClean="0"/>
+              <a:t> Does.</a:t>
             </a:r>
             <a:endParaRPr lang="en-US" dirty="0"/>
           </a:p>
@@ -3551,9 +3559,16 @@
                 <a:solidFill>
                   <a:srgbClr val="0F2A33"/>
                 </a:solidFill>
-                <a:hlinkClick r:id="rId2"/>
               </a:rPr>
-              <a:t>kevin@kevfoo.com</a:t>
+              <a:t>@</a:t>
+            </a:r>
+            <a:r>
+              <a:rPr lang="en-US" smtClean="0">
+                <a:solidFill>
+                  <a:srgbClr val="0F2A33"/>
+                </a:solidFill>
+              </a:rPr>
+              <a:t>klmcmahon</a:t>
             </a:r>
             <a:endParaRPr lang="en-US" dirty="0" smtClean="0">
               <a:solidFill>
@@ -3681,6 +3696,13 @@
   <p:clrMapOvr>
     <a:masterClrMapping/>
   </p:clrMapOvr>
+  <p:timing>
+    <p:tnLst>
+      <p:par>
+        <p:cTn xmlns:p14="http://schemas.microsoft.com/office/powerpoint/2010/main" id="1" dur="indefinite" restart="never" nodeType="tmRoot"/>
+      </p:par>
+    </p:tnLst>
+  </p:timing>
 </p:sld>
 </file>
 
@@ -3968,6 +3990,13 @@
   <p:clrMapOvr>
     <a:masterClrMapping/>
   </p:clrMapOvr>
+  <p:timing>
+    <p:tnLst>
+      <p:par>
+        <p:cTn xmlns:p14="http://schemas.microsoft.com/office/powerpoint/2010/main" id="1" dur="indefinite" restart="never" nodeType="tmRoot"/>
+      </p:par>
+    </p:tnLst>
+  </p:timing>
 </p:sld>
 </file>
 
@@ -4004,7 +4033,7 @@
           <a:lstStyle/>
           <a:p>
             <a:r>
-              <a:rPr lang="en-US" smtClean="0"/>
+              <a:rPr lang="en-US" dirty="0" smtClean="0"/>
               <a:t>Recap</a:t>
             </a:r>
             <a:endParaRPr lang="en-US" dirty="0"/>
@@ -4062,6 +4091,13 @@
   <p:clrMapOvr>
     <a:masterClrMapping/>
   </p:clrMapOvr>
+  <p:timing>
+    <p:tnLst>
+      <p:par>
+        <p:cTn xmlns:p14="http://schemas.microsoft.com/office/powerpoint/2010/main" id="1" dur="indefinite" restart="never" nodeType="tmRoot"/>
+      </p:par>
+    </p:tnLst>
+  </p:timing>
 </p:sld>
 </file>
 
@@ -4170,6 +4206,13 @@
   <p:clrMapOvr>
     <a:masterClrMapping/>
   </p:clrMapOvr>
+  <p:timing>
+    <p:tnLst>
+      <p:par>
+        <p:cTn xmlns:p14="http://schemas.microsoft.com/office/powerpoint/2010/main" id="1" dur="indefinite" restart="never" nodeType="tmRoot"/>
+      </p:par>
+    </p:tnLst>
+  </p:timing>
 </p:sld>
 </file>
 
@@ -4264,6 +4307,13 @@
   <p:clrMapOvr>
     <a:masterClrMapping/>
   </p:clrMapOvr>
+  <p:timing>
+    <p:tnLst>
+      <p:par>
+        <p:cTn xmlns:p14="http://schemas.microsoft.com/office/powerpoint/2010/main" id="1" dur="indefinite" restart="never" nodeType="tmRoot"/>
+      </p:par>
+    </p:tnLst>
+  </p:timing>
 </p:sld>
 </file>
 
@@ -4377,6 +4427,13 @@
   <p:clrMapOvr>
     <a:masterClrMapping/>
   </p:clrMapOvr>
+  <p:timing>
+    <p:tnLst>
+      <p:par>
+        <p:cTn xmlns:p14="http://schemas.microsoft.com/office/powerpoint/2010/main" id="1" dur="indefinite" restart="never" nodeType="tmRoot"/>
+      </p:par>
+    </p:tnLst>
+  </p:timing>
 </p:sld>
 </file>
 
@@ -4482,6 +4539,13 @@
   <p:clrMapOvr>
     <a:masterClrMapping/>
   </p:clrMapOvr>
+  <p:timing>
+    <p:tnLst>
+      <p:par>
+        <p:cTn xmlns:p14="http://schemas.microsoft.com/office/powerpoint/2010/main" id="1" dur="indefinite" restart="never" nodeType="tmRoot"/>
+      </p:par>
+    </p:tnLst>
+  </p:timing>
 </p:sld>
 </file>
 
@@ -4585,6 +4649,13 @@
   <p:clrMapOvr>
     <a:masterClrMapping/>
   </p:clrMapOvr>
+  <p:timing>
+    <p:tnLst>
+      <p:par>
+        <p:cTn xmlns:p14="http://schemas.microsoft.com/office/powerpoint/2010/main" id="1" dur="indefinite" restart="never" nodeType="tmRoot"/>
+      </p:par>
+    </p:tnLst>
+  </p:timing>
 </p:sld>
 </file>
 
@@ -4677,6 +4748,13 @@
   <p:clrMapOvr>
     <a:masterClrMapping/>
   </p:clrMapOvr>
+  <p:timing>
+    <p:tnLst>
+      <p:par>
+        <p:cTn xmlns:p14="http://schemas.microsoft.com/office/powerpoint/2010/main" id="1" dur="indefinite" restart="never" nodeType="tmRoot"/>
+      </p:par>
+    </p:tnLst>
+  </p:timing>
 </p:sld>
 </file>
 
@@ -4787,6 +4865,13 @@
   <p:clrMapOvr>
     <a:masterClrMapping/>
   </p:clrMapOvr>
+  <p:timing>
+    <p:tnLst>
+      <p:par>
+        <p:cTn xmlns:p14="http://schemas.microsoft.com/office/powerpoint/2010/main" id="1" dur="indefinite" restart="never" nodeType="tmRoot"/>
+      </p:par>
+    </p:tnLst>
+  </p:timing>
 </p:sld>
 </file>
 
@@ -4902,6 +4987,13 @@
   <p:clrMapOvr>
     <a:masterClrMapping/>
   </p:clrMapOvr>
+  <p:timing>
+    <p:tnLst>
+      <p:par>
+        <p:cTn xmlns:p14="http://schemas.microsoft.com/office/powerpoint/2010/main" id="1" dur="indefinite" restart="never" nodeType="tmRoot"/>
+      </p:par>
+    </p:tnLst>
+  </p:timing>
 </p:sld>
 </file>
 
